--- a/Presentations_Slides/IntroPresentation.pptx
+++ b/Presentations_Slides/IntroPresentation.pptx
@@ -212,7 +212,7 @@
           <a:p>
             <a:fld id="{B5716361-B9E3-2244-8426-49256E52D6A5}" type="datetimeFigureOut">
               <a:rPr lang="en-US" smtClean="0"/>
-              <a:t>12/9/15</a:t>
+              <a:t>12/10/2015</a:t>
             </a:fld>
             <a:endParaRPr lang="en-US"/>
           </a:p>
@@ -1086,7 +1086,7 @@
             <a:fld id="{9D21D778-B565-4D7E-94D7-64010A445B68}" type="datetimeFigureOut">
               <a:rPr lang="en-US" smtClean="0"/>
               <a:pPr eaLnBrk="1" latinLnBrk="0" hangingPunct="1"/>
-              <a:t>12/8/15</a:t>
+              <a:t>12/10/2015</a:t>
             </a:fld>
             <a:endParaRPr lang="en-US"/>
           </a:p>
@@ -1488,7 +1488,7 @@
             <a:fld id="{9D21D778-B565-4D7E-94D7-64010A445B68}" type="datetimeFigureOut">
               <a:rPr lang="en-US" smtClean="0"/>
               <a:pPr eaLnBrk="1" latinLnBrk="0" hangingPunct="1"/>
-              <a:t>12/8/15</a:t>
+              <a:t>12/10/2015</a:t>
             </a:fld>
             <a:endParaRPr lang="en-US"/>
           </a:p>
@@ -2024,7 +2024,7 @@
             <a:fld id="{9D21D778-B565-4D7E-94D7-64010A445B68}" type="datetimeFigureOut">
               <a:rPr lang="en-US" smtClean="0"/>
               <a:pPr eaLnBrk="1" latinLnBrk="0" hangingPunct="1"/>
-              <a:t>12/8/15</a:t>
+              <a:t>12/10/2015</a:t>
             </a:fld>
             <a:endParaRPr lang="en-US"/>
           </a:p>
@@ -2159,7 +2159,7 @@
             <a:fld id="{9D21D778-B565-4D7E-94D7-64010A445B68}" type="datetimeFigureOut">
               <a:rPr lang="en-US" smtClean="0"/>
               <a:pPr eaLnBrk="1" latinLnBrk="0" hangingPunct="1"/>
-              <a:t>12/8/15</a:t>
+              <a:t>12/10/2015</a:t>
             </a:fld>
             <a:endParaRPr lang="en-US"/>
           </a:p>
@@ -2705,7 +2705,7 @@
             <a:fld id="{9D21D778-B565-4D7E-94D7-64010A445B68}" type="datetimeFigureOut">
               <a:rPr lang="en-US" smtClean="0"/>
               <a:pPr eaLnBrk="1" latinLnBrk="0" hangingPunct="1"/>
-              <a:t>12/8/15</a:t>
+              <a:t>12/10/2015</a:t>
             </a:fld>
             <a:endParaRPr lang="en-US"/>
           </a:p>
@@ -3009,7 +3009,7 @@
             <a:fld id="{9D21D778-B565-4D7E-94D7-64010A445B68}" type="datetimeFigureOut">
               <a:rPr lang="en-US" smtClean="0"/>
               <a:pPr eaLnBrk="1" latinLnBrk="0" hangingPunct="1"/>
-              <a:t>12/8/15</a:t>
+              <a:t>12/10/2015</a:t>
             </a:fld>
             <a:endParaRPr lang="en-US"/>
           </a:p>
@@ -3671,7 +3671,7 @@
             <a:fld id="{9D21D778-B565-4D7E-94D7-64010A445B68}" type="datetimeFigureOut">
               <a:rPr lang="en-US" smtClean="0"/>
               <a:pPr eaLnBrk="1" latinLnBrk="0" hangingPunct="1"/>
-              <a:t>12/8/15</a:t>
+              <a:t>12/10/2015</a:t>
             </a:fld>
             <a:endParaRPr lang="en-US"/>
           </a:p>
@@ -4111,7 +4111,7 @@
             <a:fld id="{9D21D778-B565-4D7E-94D7-64010A445B68}" type="datetimeFigureOut">
               <a:rPr lang="en-US" smtClean="0"/>
               <a:pPr eaLnBrk="1" latinLnBrk="0" hangingPunct="1"/>
-              <a:t>12/8/15</a:t>
+              <a:t>12/10/2015</a:t>
             </a:fld>
             <a:endParaRPr lang="en-US"/>
           </a:p>
@@ -4427,7 +4427,7 @@
             <a:fld id="{9D21D778-B565-4D7E-94D7-64010A445B68}" type="datetimeFigureOut">
               <a:rPr lang="en-US" smtClean="0"/>
               <a:pPr eaLnBrk="1" latinLnBrk="0" hangingPunct="1"/>
-              <a:t>12/8/15</a:t>
+              <a:t>12/10/2015</a:t>
             </a:fld>
             <a:endParaRPr lang="en-US"/>
           </a:p>
@@ -5173,7 +5173,7 @@
             <a:fld id="{9D21D778-B565-4D7E-94D7-64010A445B68}" type="datetimeFigureOut">
               <a:rPr lang="en-US" smtClean="0"/>
               <a:pPr eaLnBrk="1" latinLnBrk="0" hangingPunct="1"/>
-              <a:t>12/8/15</a:t>
+              <a:t>12/10/2015</a:t>
             </a:fld>
             <a:endParaRPr lang="en-US"/>
           </a:p>
@@ -5840,7 +5840,7 @@
             <a:fld id="{9D21D778-B565-4D7E-94D7-64010A445B68}" type="datetimeFigureOut">
               <a:rPr lang="en-US" smtClean="0"/>
               <a:pPr eaLnBrk="1" latinLnBrk="0" hangingPunct="1"/>
-              <a:t>12/8/15</a:t>
+              <a:t>12/10/2015</a:t>
             </a:fld>
             <a:endParaRPr lang="en-US" dirty="0"/>
           </a:p>
@@ -6115,7 +6115,7 @@
             <a:fld id="{9D21D778-B565-4D7E-94D7-64010A445B68}" type="datetimeFigureOut">
               <a:rPr lang="en-US" smtClean="0"/>
               <a:pPr algn="r" eaLnBrk="1" latinLnBrk="0" hangingPunct="1"/>
-              <a:t>12/8/15</a:t>
+              <a:t>12/10/2015</a:t>
             </a:fld>
             <a:endParaRPr lang="en-US" sz="1400" dirty="0">
               <a:solidFill>
@@ -6997,7 +6997,7 @@
   <p:timing>
     <p:tnLst>
       <p:par>
-        <p:cTn xmlns:p14="http://schemas.microsoft.com/office/powerpoint/2010/main" id="1" dur="indefinite" restart="never" nodeType="tmRoot"/>
+        <p:cTn id="1" dur="indefinite" restart="never" nodeType="tmRoot"/>
       </p:par>
     </p:tnLst>
   </p:timing>
@@ -7115,7 +7115,11 @@
           <a:p>
             <a:r>
               <a:rPr lang="en-US" dirty="0" smtClean="0"/>
-              <a:t>Sequence Diagram – PDF Generator</a:t>
+              <a:t>Sequence Diagram – </a:t>
+            </a:r>
+            <a:r>
+              <a:rPr lang="en-US" dirty="0" smtClean="0"/>
+              <a:t>Locality map</a:t>
             </a:r>
             <a:endParaRPr lang="en-US" dirty="0"/>
           </a:p>
@@ -7280,7 +7284,7 @@
   <p:timing>
     <p:tnLst>
       <p:par>
-        <p:cTn xmlns:p14="http://schemas.microsoft.com/office/powerpoint/2010/main" id="1" dur="indefinite" restart="never" nodeType="tmRoot"/>
+        <p:cTn id="1" dur="indefinite" restart="never" nodeType="tmRoot"/>
       </p:par>
     </p:tnLst>
   </p:timing>
@@ -7441,7 +7445,7 @@
   <p:timing>
     <p:tnLst>
       <p:par>
-        <p:cTn xmlns:p14="http://schemas.microsoft.com/office/powerpoint/2010/main" id="1" dur="indefinite" restart="never" nodeType="tmRoot"/>
+        <p:cTn id="1" dur="indefinite" restart="never" nodeType="tmRoot"/>
       </p:par>
     </p:tnLst>
   </p:timing>
@@ -7527,7 +7531,7 @@
   <p:timing>
     <p:tnLst>
       <p:par>
-        <p:cTn xmlns:p14="http://schemas.microsoft.com/office/powerpoint/2010/main" id="1" dur="indefinite" restart="never" nodeType="tmRoot"/>
+        <p:cTn id="1" dur="indefinite" restart="never" nodeType="tmRoot"/>
       </p:par>
     </p:tnLst>
   </p:timing>
@@ -7585,7 +7589,7 @@
           </p:nvPr>
         </p:nvPicPr>
         <p:blipFill>
-          <a:blip r:embed="rId2">
+          <a:blip r:embed="rId2" cstate="email">
             <a:extLst>
               <a:ext uri="{28A0092B-C50C-407E-A947-70E740481C1C}">
                 <a14:useLocalDpi xmlns:a14="http://schemas.microsoft.com/office/drawing/2010/main" val="0"/>
@@ -7615,7 +7619,7 @@
           </p:nvPr>
         </p:nvPicPr>
         <p:blipFill>
-          <a:blip r:embed="rId3">
+          <a:blip r:embed="rId3" cstate="email">
             <a:extLst>
               <a:ext uri="{28A0092B-C50C-407E-A947-70E740481C1C}">
                 <a14:useLocalDpi xmlns:a14="http://schemas.microsoft.com/office/drawing/2010/main" val="0"/>
@@ -7696,7 +7700,7 @@
           <p:nvPr/>
         </p:nvPicPr>
         <p:blipFill>
-          <a:blip r:embed="rId2">
+          <a:blip r:embed="rId2" cstate="email">
             <a:extLst>
               <a:ext uri="{28A0092B-C50C-407E-A947-70E740481C1C}">
                 <a14:useLocalDpi xmlns:a14="http://schemas.microsoft.com/office/drawing/2010/main" val="0"/>
@@ -9277,7 +9281,7 @@
   <p:timing>
     <p:tnLst>
       <p:par>
-        <p:cTn xmlns:p14="http://schemas.microsoft.com/office/powerpoint/2010/main" id="1" dur="indefinite" restart="never" nodeType="tmRoot"/>
+        <p:cTn id="1" dur="indefinite" restart="never" nodeType="tmRoot"/>
       </p:par>
     </p:tnLst>
   </p:timing>
@@ -11819,7 +11823,7 @@
   <p:timing>
     <p:tnLst>
       <p:par>
-        <p:cTn xmlns:p14="http://schemas.microsoft.com/office/powerpoint/2010/main" id="1" dur="indefinite" restart="never" nodeType="tmRoot"/>
+        <p:cTn id="1" dur="indefinite" restart="never" nodeType="tmRoot"/>
       </p:par>
     </p:tnLst>
   </p:timing>
@@ -11968,7 +11972,7 @@
   <p:timing>
     <p:tnLst>
       <p:par>
-        <p:cTn xmlns:p14="http://schemas.microsoft.com/office/powerpoint/2010/main" id="1" dur="indefinite" restart="never" nodeType="tmRoot"/>
+        <p:cTn id="1" dur="indefinite" restart="never" nodeType="tmRoot"/>
       </p:par>
     </p:tnLst>
   </p:timing>
@@ -12026,7 +12030,7 @@
           </p:nvPr>
         </p:nvPicPr>
         <p:blipFill>
-          <a:blip r:embed="rId2">
+          <a:blip r:embed="rId2" cstate="email">
             <a:extLst>
               <a:ext uri="{28A0092B-C50C-407E-A947-70E740481C1C}">
                 <a14:useLocalDpi xmlns:a14="http://schemas.microsoft.com/office/drawing/2010/main" val="0"/>
@@ -12061,7 +12065,7 @@
   <p:timing>
     <p:tnLst>
       <p:par>
-        <p:cTn xmlns:p14="http://schemas.microsoft.com/office/powerpoint/2010/main" id="1" dur="indefinite" restart="never" nodeType="tmRoot"/>
+        <p:cTn id="1" dur="indefinite" restart="never" nodeType="tmRoot"/>
       </p:par>
     </p:tnLst>
   </p:timing>
@@ -12248,7 +12252,7 @@
   <p:timing>
     <p:tnLst>
       <p:par>
-        <p:cTn xmlns:p14="http://schemas.microsoft.com/office/powerpoint/2010/main" id="1" dur="indefinite" restart="never" nodeType="tmRoot"/>
+        <p:cTn id="1" dur="indefinite" restart="never" nodeType="tmRoot"/>
       </p:par>
     </p:tnLst>
   </p:timing>
@@ -12309,7 +12313,7 @@
           <p:nvPr/>
         </p:nvPicPr>
         <p:blipFill>
-          <a:blip r:embed="rId2">
+          <a:blip r:embed="rId2" cstate="email">
             <a:extLst>
               <a:ext uri="{28A0092B-C50C-407E-A947-70E740481C1C}">
                 <a14:useLocalDpi xmlns:a14="http://schemas.microsoft.com/office/drawing/2010/main" val="0"/>
@@ -12343,7 +12347,7 @@
   <p:timing>
     <p:tnLst>
       <p:par>
-        <p:cTn xmlns:p14="http://schemas.microsoft.com/office/powerpoint/2010/main" id="1" dur="indefinite" restart="never" nodeType="tmRoot"/>
+        <p:cTn id="1" dur="indefinite" restart="never" nodeType="tmRoot"/>
       </p:par>
     </p:tnLst>
   </p:timing>
@@ -12429,7 +12433,7 @@
   <p:timing>
     <p:tnLst>
       <p:par>
-        <p:cTn xmlns:p14="http://schemas.microsoft.com/office/powerpoint/2010/main" id="1" dur="indefinite" restart="never" nodeType="tmRoot"/>
+        <p:cTn id="1" dur="indefinite" restart="never" nodeType="tmRoot"/>
       </p:par>
     </p:tnLst>
   </p:timing>
@@ -12513,7 +12517,7 @@
   <p:timing>
     <p:tnLst>
       <p:par>
-        <p:cTn xmlns:p14="http://schemas.microsoft.com/office/powerpoint/2010/main" id="1" dur="indefinite" restart="never" nodeType="tmRoot"/>
+        <p:cTn id="1" dur="indefinite" restart="never" nodeType="tmRoot"/>
       </p:par>
     </p:tnLst>
   </p:timing>
